--- a/Instructor-Led/Lessons/Module4/Module4_Lesson6 Hive Databases and Tables.pptx
+++ b/Instructor-Led/Lessons/Module4/Module4_Lesson6 Hive Databases and Tables.pptx
@@ -132,7 +132,7 @@
   </p:defaultTextStyle>
   <p:extLst>
     <p:ext uri="{EFAFB233-063F-42B5-8137-9DF3F51BA10A}">
-      <p15:sldGuideLst xmlns="" xmlns:p15="http://schemas.microsoft.com/office/powerpoint/2012/main"/>
+      <p15:sldGuideLst xmlns:p15="http://schemas.microsoft.com/office/powerpoint/2012/main" xmlns=""/>
     </p:ext>
   </p:extLst>
 </p:presentation>
@@ -237,7 +237,7 @@
             <a:fld id="{49B60EF2-7028-489F-85D8-FE86CD7CF2A0}" type="datetimeFigureOut">
               <a:rPr lang="en-US" smtClean="0"/>
               <a:pPr/>
-              <a:t>5/26/16</a:t>
+              <a:t>6/22/16</a:t>
             </a:fld>
             <a:endParaRPr lang="en-US"/>
           </a:p>
@@ -1774,6 +1774,68 @@
           <a:bodyPr/>
           <a:lstStyle/>
           <a:p>
+            <a:r>
+              <a:rPr lang="en-US" b="1" dirty="0" smtClean="0"/>
+              <a:t>Notes</a:t>
+            </a:r>
+            <a:r>
+              <a:rPr lang="en-US" b="1" baseline="0" dirty="0" smtClean="0"/>
+              <a:t>: </a:t>
+            </a:r>
+          </a:p>
+          <a:p>
+            <a:pPr marL="171450" indent="-171450">
+              <a:buFont typeface="Arial"/>
+              <a:buChar char="•"/>
+            </a:pPr>
+            <a:r>
+              <a:rPr lang="en-US" b="0" baseline="0" dirty="0" smtClean="0"/>
+              <a:t>The Module 4 </a:t>
+            </a:r>
+            <a:r>
+              <a:rPr lang="en-US" b="0" baseline="0" smtClean="0"/>
+              <a:t>Lesson 6 </a:t>
+            </a:r>
+            <a:r>
+              <a:rPr lang="en-US" b="0" baseline="0" dirty="0" smtClean="0"/>
+              <a:t>Lab should be completed at this time:</a:t>
+            </a:r>
+          </a:p>
+          <a:p>
+            <a:pPr marL="628650" lvl="1" indent="-171450">
+              <a:buFont typeface="Arial"/>
+              <a:buChar char="•"/>
+            </a:pPr>
+            <a:r>
+              <a:rPr lang="en-US" b="0" baseline="0" dirty="0" smtClean="0"/>
+              <a:t>https://</a:t>
+            </a:r>
+            <a:r>
+              <a:rPr lang="en-US" b="0" baseline="0" dirty="0" err="1" smtClean="0"/>
+              <a:t>github.com</a:t>
+            </a:r>
+            <a:r>
+              <a:rPr lang="en-US" b="0" baseline="0" dirty="0" smtClean="0"/>
+              <a:t>/</a:t>
+            </a:r>
+            <a:r>
+              <a:rPr lang="en-US" b="0" baseline="0" dirty="0" err="1" smtClean="0"/>
+              <a:t>MSFTImagine</a:t>
+            </a:r>
+            <a:r>
+              <a:rPr lang="en-US" b="0" baseline="0" dirty="0" smtClean="0"/>
+              <a:t>/</a:t>
+            </a:r>
+            <a:r>
+              <a:rPr lang="en-US" b="0" baseline="0" dirty="0" err="1" smtClean="0"/>
+              <a:t>computerscience</a:t>
+            </a:r>
+            <a:r>
+              <a:rPr lang="en-US" b="0" baseline="0" dirty="0" smtClean="0"/>
+              <a:t>/tree/master/Instructor-Led/Labs/Module4</a:t>
+            </a:r>
+          </a:p>
+          <a:p>
             <a:endParaRPr lang="en-US" dirty="0"/>
           </a:p>
         </p:txBody>
@@ -2831,7 +2893,7 @@
             <a:fld id="{0459C166-16D3-4A25-A2F8-C51E0E346B22}" type="datetimeFigureOut">
               <a:rPr lang="en-US" smtClean="0"/>
               <a:pPr/>
-              <a:t>5/26/16</a:t>
+              <a:t>6/22/16</a:t>
             </a:fld>
             <a:endParaRPr lang="en-US"/>
           </a:p>
@@ -3197,7 +3259,7 @@
             <a:fld id="{0459C166-16D3-4A25-A2F8-C51E0E346B22}" type="datetimeFigureOut">
               <a:rPr lang="en-US" smtClean="0"/>
               <a:pPr/>
-              <a:t>5/26/16</a:t>
+              <a:t>6/22/16</a:t>
             </a:fld>
             <a:endParaRPr lang="en-US"/>
           </a:p>
@@ -3316,7 +3378,7 @@
             <a:fld id="{0459C166-16D3-4A25-A2F8-C51E0E346B22}" type="datetimeFigureOut">
               <a:rPr lang="en-US" smtClean="0"/>
               <a:pPr/>
-              <a:t>5/26/16</a:t>
+              <a:t>6/22/16</a:t>
             </a:fld>
             <a:endParaRPr lang="en-US"/>
           </a:p>
@@ -3413,7 +3475,7 @@
             <a:fld id="{0459C166-16D3-4A25-A2F8-C51E0E346B22}" type="datetimeFigureOut">
               <a:rPr lang="en-US" smtClean="0"/>
               <a:pPr/>
-              <a:t>5/26/16</a:t>
+              <a:t>6/22/16</a:t>
             </a:fld>
             <a:endParaRPr lang="en-US"/>
           </a:p>
@@ -3690,7 +3752,7 @@
             <a:fld id="{0459C166-16D3-4A25-A2F8-C51E0E346B22}" type="datetimeFigureOut">
               <a:rPr lang="en-US" smtClean="0"/>
               <a:pPr/>
-              <a:t>5/26/16</a:t>
+              <a:t>6/22/16</a:t>
             </a:fld>
             <a:endParaRPr lang="en-US"/>
           </a:p>
@@ -3944,7 +4006,7 @@
             <a:fld id="{0459C166-16D3-4A25-A2F8-C51E0E346B22}" type="datetimeFigureOut">
               <a:rPr lang="en-US" smtClean="0"/>
               <a:pPr/>
-              <a:t>5/26/16</a:t>
+              <a:t>6/22/16</a:t>
             </a:fld>
             <a:endParaRPr lang="en-US"/>
           </a:p>
@@ -4114,7 +4176,7 @@
             <a:fld id="{0459C166-16D3-4A25-A2F8-C51E0E346B22}" type="datetimeFigureOut">
               <a:rPr lang="en-US" smtClean="0"/>
               <a:pPr/>
-              <a:t>5/26/16</a:t>
+              <a:t>6/22/16</a:t>
             </a:fld>
             <a:endParaRPr lang="en-US"/>
           </a:p>
@@ -4294,7 +4356,7 @@
             <a:fld id="{0459C166-16D3-4A25-A2F8-C51E0E346B22}" type="datetimeFigureOut">
               <a:rPr lang="en-US" smtClean="0"/>
               <a:pPr/>
-              <a:t>5/26/16</a:t>
+              <a:t>6/22/16</a:t>
             </a:fld>
             <a:endParaRPr lang="en-US"/>
           </a:p>
@@ -4666,7 +4728,7 @@
                 <a:latin typeface="Segoe UI"/>
               </a:rPr>
               <a:pPr/>
-              <a:t>5/26/16</a:t>
+              <a:t>6/22/16</a:t>
             </a:fld>
             <a:endParaRPr lang="en-US">
               <a:solidFill>
@@ -4871,7 +4933,7 @@
                 <a:latin typeface="Segoe UI"/>
               </a:rPr>
               <a:pPr/>
-              <a:t>5/26/16</a:t>
+              <a:t>6/22/16</a:t>
             </a:fld>
             <a:endParaRPr lang="en-US">
               <a:solidFill>
@@ -5069,7 +5131,7 @@
             <a:fld id="{0459C166-16D3-4A25-A2F8-C51E0E346B22}" type="datetimeFigureOut">
               <a:rPr lang="en-US" smtClean="0"/>
               <a:pPr/>
-              <a:t>5/26/16</a:t>
+              <a:t>6/22/16</a:t>
             </a:fld>
             <a:endParaRPr lang="en-US"/>
           </a:p>
@@ -5339,7 +5401,7 @@
                 <a:latin typeface="Segoe UI"/>
               </a:rPr>
               <a:pPr/>
-              <a:t>5/26/16</a:t>
+              <a:t>6/22/16</a:t>
             </a:fld>
             <a:endParaRPr lang="en-US">
               <a:solidFill>
@@ -5683,7 +5745,7 @@
                 <a:latin typeface="Segoe UI"/>
               </a:rPr>
               <a:pPr/>
-              <a:t>5/26/16</a:t>
+              <a:t>6/22/16</a:t>
             </a:fld>
             <a:endParaRPr lang="en-US">
               <a:solidFill>
@@ -6058,7 +6120,7 @@
                 <a:latin typeface="Segoe UI"/>
               </a:rPr>
               <a:pPr/>
-              <a:t>5/26/16</a:t>
+              <a:t>6/22/16</a:t>
             </a:fld>
             <a:endParaRPr lang="en-US">
               <a:solidFill>
@@ -7002,7 +7064,7 @@
                 <a:latin typeface="Segoe UI"/>
               </a:rPr>
               <a:pPr/>
-              <a:t>5/26/16</a:t>
+              <a:t>6/22/16</a:t>
             </a:fld>
             <a:endParaRPr lang="en-US">
               <a:solidFill>
@@ -7403,7 +7465,7 @@
                 <a:latin typeface="Segoe UI"/>
               </a:rPr>
               <a:pPr/>
-              <a:t>5/26/16</a:t>
+              <a:t>6/22/16</a:t>
             </a:fld>
             <a:endParaRPr lang="en-US">
               <a:solidFill>
@@ -7557,7 +7619,7 @@
                 <a:latin typeface="Segoe UI"/>
               </a:rPr>
               <a:pPr/>
-              <a:t>5/26/16</a:t>
+              <a:t>6/22/16</a:t>
             </a:fld>
             <a:endParaRPr lang="en-US">
               <a:solidFill>
@@ -7689,7 +7751,7 @@
                 <a:latin typeface="Segoe UI"/>
               </a:rPr>
               <a:pPr/>
-              <a:t>5/26/16</a:t>
+              <a:t>6/22/16</a:t>
             </a:fld>
             <a:endParaRPr lang="en-US">
               <a:solidFill>
@@ -7982,7 +8044,7 @@
             <a:fld id="{0459C166-16D3-4A25-A2F8-C51E0E346B22}" type="datetimeFigureOut">
               <a:rPr lang="en-US" smtClean="0"/>
               <a:pPr/>
-              <a:t>5/26/16</a:t>
+              <a:t>6/22/16</a:t>
             </a:fld>
             <a:endParaRPr lang="en-US"/>
           </a:p>
@@ -8282,7 +8344,7 @@
                 <a:latin typeface="Segoe UI"/>
               </a:rPr>
               <a:pPr/>
-              <a:t>5/26/16</a:t>
+              <a:t>6/22/16</a:t>
             </a:fld>
             <a:endParaRPr lang="en-US">
               <a:solidFill>
@@ -8571,7 +8633,7 @@
                 <a:latin typeface="Segoe UI"/>
               </a:rPr>
               <a:pPr/>
-              <a:t>5/26/16</a:t>
+              <a:t>6/22/16</a:t>
             </a:fld>
             <a:endParaRPr lang="en-US">
               <a:solidFill>
@@ -8776,7 +8838,7 @@
                 <a:latin typeface="Segoe UI"/>
               </a:rPr>
               <a:pPr/>
-              <a:t>5/26/16</a:t>
+              <a:t>6/22/16</a:t>
             </a:fld>
             <a:endParaRPr lang="en-US">
               <a:solidFill>
@@ -8991,7 +9053,7 @@
                 <a:latin typeface="Segoe UI"/>
               </a:rPr>
               <a:pPr/>
-              <a:t>5/26/16</a:t>
+              <a:t>6/22/16</a:t>
             </a:fld>
             <a:endParaRPr lang="en-US">
               <a:solidFill>
@@ -9236,7 +9298,7 @@
                 <a:latin typeface="Segoe UI"/>
               </a:rPr>
               <a:pPr/>
-              <a:t>5/26/16</a:t>
+              <a:t>6/22/16</a:t>
             </a:fld>
             <a:endParaRPr lang="en-US">
               <a:solidFill>
@@ -9441,7 +9503,7 @@
                 <a:latin typeface="Segoe UI"/>
               </a:rPr>
               <a:pPr/>
-              <a:t>5/26/16</a:t>
+              <a:t>6/22/16</a:t>
             </a:fld>
             <a:endParaRPr lang="en-US">
               <a:solidFill>
@@ -9739,7 +9801,7 @@
                 <a:latin typeface="Segoe UI"/>
               </a:rPr>
               <a:pPr/>
-              <a:t>5/26/16</a:t>
+              <a:t>6/22/16</a:t>
             </a:fld>
             <a:endParaRPr lang="en-US">
               <a:solidFill>
@@ -10083,7 +10145,7 @@
                 <a:latin typeface="Segoe UI"/>
               </a:rPr>
               <a:pPr/>
-              <a:t>5/26/16</a:t>
+              <a:t>6/22/16</a:t>
             </a:fld>
             <a:endParaRPr lang="en-US">
               <a:solidFill>
@@ -10458,7 +10520,7 @@
                 <a:latin typeface="Segoe UI"/>
               </a:rPr>
               <a:pPr/>
-              <a:t>5/26/16</a:t>
+              <a:t>6/22/16</a:t>
             </a:fld>
             <a:endParaRPr lang="en-US">
               <a:solidFill>
@@ -11584,7 +11646,7 @@
                 <a:latin typeface="Segoe UI"/>
               </a:rPr>
               <a:pPr/>
-              <a:t>5/26/16</a:t>
+              <a:t>6/22/16</a:t>
             </a:fld>
             <a:endParaRPr lang="en-US">
               <a:solidFill>
@@ -11985,7 +12047,7 @@
                 <a:latin typeface="Segoe UI"/>
               </a:rPr>
               <a:pPr/>
-              <a:t>5/26/16</a:t>
+              <a:t>6/22/16</a:t>
             </a:fld>
             <a:endParaRPr lang="en-US">
               <a:solidFill>
@@ -12139,7 +12201,7 @@
                 <a:latin typeface="Segoe UI"/>
               </a:rPr>
               <a:pPr/>
-              <a:t>5/26/16</a:t>
+              <a:t>6/22/16</a:t>
             </a:fld>
             <a:endParaRPr lang="en-US">
               <a:solidFill>
@@ -12271,7 +12333,7 @@
                 <a:latin typeface="Segoe UI"/>
               </a:rPr>
               <a:pPr/>
-              <a:t>5/26/16</a:t>
+              <a:t>6/22/16</a:t>
             </a:fld>
             <a:endParaRPr lang="en-US">
               <a:solidFill>
@@ -12583,7 +12645,7 @@
                 <a:latin typeface="Segoe UI"/>
               </a:rPr>
               <a:pPr/>
-              <a:t>5/26/16</a:t>
+              <a:t>6/22/16</a:t>
             </a:fld>
             <a:endParaRPr lang="en-US">
               <a:solidFill>
@@ -12872,7 +12934,7 @@
                 <a:latin typeface="Segoe UI"/>
               </a:rPr>
               <a:pPr/>
-              <a:t>5/26/16</a:t>
+              <a:t>6/22/16</a:t>
             </a:fld>
             <a:endParaRPr lang="en-US">
               <a:solidFill>
@@ -13077,7 +13139,7 @@
                 <a:latin typeface="Segoe UI"/>
               </a:rPr>
               <a:pPr/>
-              <a:t>5/26/16</a:t>
+              <a:t>6/22/16</a:t>
             </a:fld>
             <a:endParaRPr lang="en-US">
               <a:solidFill>
@@ -13292,7 +13354,7 @@
                 <a:latin typeface="Segoe UI"/>
               </a:rPr>
               <a:pPr/>
-              <a:t>5/26/16</a:t>
+              <a:t>6/22/16</a:t>
             </a:fld>
             <a:endParaRPr lang="en-US">
               <a:solidFill>
@@ -13439,7 +13501,7 @@
             <a:fld id="{0459C166-16D3-4A25-A2F8-C51E0E346B22}" type="datetimeFigureOut">
               <a:rPr lang="en-US" smtClean="0"/>
               <a:pPr/>
-              <a:t>5/26/16</a:t>
+              <a:t>6/22/16</a:t>
             </a:fld>
             <a:endParaRPr lang="en-US"/>
           </a:p>
@@ -16992,7 +17054,7 @@
             <a:fld id="{0459C166-16D3-4A25-A2F8-C51E0E346B22}" type="datetimeFigureOut">
               <a:rPr lang="en-US" smtClean="0"/>
               <a:pPr/>
-              <a:t>5/26/16</a:t>
+              <a:t>6/22/16</a:t>
             </a:fld>
             <a:endParaRPr lang="en-US"/>
           </a:p>
@@ -24567,7 +24629,7 @@
                 <a:latin typeface="Segoe UI"/>
               </a:rPr>
               <a:pPr/>
-              <a:t>5/26/16</a:t>
+              <a:t>6/22/16</a:t>
             </a:fld>
             <a:endParaRPr lang="en-US">
               <a:solidFill>
@@ -25276,7 +25338,7 @@
             <a:fld id="{0459C166-16D3-4A25-A2F8-C51E0E346B22}" type="datetimeFigureOut">
               <a:rPr lang="en-US" smtClean="0"/>
               <a:pPr/>
-              <a:t>5/26/16</a:t>
+              <a:t>6/22/16</a:t>
             </a:fld>
             <a:endParaRPr lang="en-US"/>
           </a:p>
@@ -25489,7 +25551,7 @@
             <a:fld id="{0459C166-16D3-4A25-A2F8-C51E0E346B22}" type="datetimeFigureOut">
               <a:rPr lang="en-US" smtClean="0"/>
               <a:pPr/>
-              <a:t>5/26/16</a:t>
+              <a:t>6/22/16</a:t>
             </a:fld>
             <a:endParaRPr lang="en-US"/>
           </a:p>
@@ -26042,7 +26104,7 @@
                 <a:latin typeface="Segoe UI"/>
               </a:rPr>
               <a:pPr/>
-              <a:t>5/26/16</a:t>
+              <a:t>6/22/16</a:t>
             </a:fld>
             <a:endParaRPr lang="en-US">
               <a:solidFill>
@@ -26622,7 +26684,7 @@
                 <a:latin typeface="Segoe UI"/>
               </a:rPr>
               <a:pPr/>
-              <a:t>5/26/16</a:t>
+              <a:t>6/22/16</a:t>
             </a:fld>
             <a:endParaRPr lang="en-US">
               <a:solidFill>
@@ -41572,7 +41634,7 @@
   <a:extraClrSchemeLst/>
   <a:extLst>
     <a:ext uri="{05A4C25C-085E-4340-85A3-A5531E510DB2}">
-      <thm15:themeFamily xmlns="" xmlns:thm15="http://schemas.microsoft.com/office/thememl/2012/main" name="Office Theme" id="{62F939B6-93AF-4DB8-9C6B-D6C7DFDC589F}" vid="{4A3C46E8-61CC-4603-A589-7422A47A8E4A}"/>
+      <thm15:themeFamily xmlns:thm15="http://schemas.microsoft.com/office/thememl/2012/main" xmlns="" name="Office Theme" id="{62F939B6-93AF-4DB8-9C6B-D6C7DFDC589F}" vid="{4A3C46E8-61CC-4603-A589-7422A47A8E4A}"/>
     </a:ext>
   </a:extLst>
 </a:theme>
@@ -41841,7 +41903,7 @@
   <a:extraClrSchemeLst/>
   <a:extLst>
     <a:ext uri="{05A4C25C-085E-4340-85A3-A5531E510DB2}">
-      <thm15:themeFamily xmlns="" xmlns:thm15="http://schemas.microsoft.com/office/thememl/2012/main" name="Office Theme" id="{62F939B6-93AF-4DB8-9C6B-D6C7DFDC589F}" vid="{4A3C46E8-61CC-4603-A589-7422A47A8E4A}"/>
+      <thm15:themeFamily xmlns:thm15="http://schemas.microsoft.com/office/thememl/2012/main" xmlns="" name="Office Theme" id="{62F939B6-93AF-4DB8-9C6B-D6C7DFDC589F}" vid="{4A3C46E8-61CC-4603-A589-7422A47A8E4A}"/>
     </a:ext>
   </a:extLst>
 </a:theme>
@@ -42110,7 +42172,7 @@
   <a:extraClrSchemeLst/>
   <a:extLst>
     <a:ext uri="{05A4C25C-085E-4340-85A3-A5531E510DB2}">
-      <thm15:themeFamily xmlns="" xmlns:thm15="http://schemas.microsoft.com/office/thememl/2012/main" name="Office Theme" id="{62F939B6-93AF-4DB8-9C6B-D6C7DFDC589F}" vid="{4A3C46E8-61CC-4603-A589-7422A47A8E4A}"/>
+      <thm15:themeFamily xmlns:thm15="http://schemas.microsoft.com/office/thememl/2012/main" xmlns="" name="Office Theme" id="{62F939B6-93AF-4DB8-9C6B-D6C7DFDC589F}" vid="{4A3C46E8-61CC-4603-A589-7422A47A8E4A}"/>
     </a:ext>
   </a:extLst>
 </a:theme>
@@ -42443,7 +42505,7 @@
   <a:extraClrSchemeLst/>
   <a:extLst>
     <a:ext uri="{05A4C25C-085E-4340-85A3-A5531E510DB2}">
-      <thm15:themeFamily xmlns:thm15="http://schemas.microsoft.com/office/thememl/2012/main" xmlns="" name="Azure4ResearchTemplate" id="{DD1C6CE8-BDBA-0D4F-9930-3643ABC8EF0E}" vid="{B5C66FD7-0952-994B-96D6-AB3BB89097FE}"/>
+      <thm15:themeFamily xmlns="" xmlns:thm15="http://schemas.microsoft.com/office/thememl/2012/main" name="Azure4ResearchTemplate" id="{DD1C6CE8-BDBA-0D4F-9930-3643ABC8EF0E}" vid="{B5C66FD7-0952-994B-96D6-AB3BB89097FE}"/>
     </a:ext>
   </a:extLst>
 </a:theme>
@@ -42738,7 +42800,7 @@
   <a:extraClrSchemeLst/>
   <a:extLst>
     <a:ext uri="{05A4C25C-085E-4340-85A3-A5531E510DB2}">
-      <thm15:themeFamily xmlns="" xmlns:thm15="http://schemas.microsoft.com/office/thememl/2012/main" name="Office Theme" id="{62F939B6-93AF-4DB8-9C6B-D6C7DFDC589F}" vid="{4A3C46E8-61CC-4603-A589-7422A47A8E4A}"/>
+      <thm15:themeFamily xmlns:thm15="http://schemas.microsoft.com/office/thememl/2012/main" xmlns="" name="Office Theme" id="{62F939B6-93AF-4DB8-9C6B-D6C7DFDC589F}" vid="{4A3C46E8-61CC-4603-A589-7422A47A8E4A}"/>
     </a:ext>
   </a:extLst>
 </a:theme>
